--- a/explanatory report.pptx
+++ b/explanatory report.pptx
@@ -127,6 +127,11 @@
       </a:defRPr>
     </a:lvl9pPr>
   </p:defaultTextStyle>
+  <p:extLst>
+    <p:ext uri="{EFAFB233-063F-42B5-8137-9DF3F51BA10A}">
+      <p15:sldGuideLst xmlns:p15="http://schemas.microsoft.com/office/powerpoint/2012/main"/>
+    </p:ext>
+  </p:extLst>
 </p:presentation>
 </file>
 
@@ -277,7 +282,7 @@
           <a:p>
             <a:fld id="{6575E8DA-23D4-4099-BFE5-E3F02B91D307}" type="datetimeFigureOut">
               <a:rPr lang="en-US" smtClean="0"/>
-              <a:t>4/1/2019</a:t>
+              <a:t>4/2/2019</a:t>
             </a:fld>
             <a:endParaRPr lang="en-US"/>
           </a:p>
@@ -475,7 +480,7 @@
           <a:p>
             <a:fld id="{6575E8DA-23D4-4099-BFE5-E3F02B91D307}" type="datetimeFigureOut">
               <a:rPr lang="en-US" smtClean="0"/>
-              <a:t>4/1/2019</a:t>
+              <a:t>4/2/2019</a:t>
             </a:fld>
             <a:endParaRPr lang="en-US"/>
           </a:p>
@@ -683,7 +688,7 @@
           <a:p>
             <a:fld id="{6575E8DA-23D4-4099-BFE5-E3F02B91D307}" type="datetimeFigureOut">
               <a:rPr lang="en-US" smtClean="0"/>
-              <a:t>4/1/2019</a:t>
+              <a:t>4/2/2019</a:t>
             </a:fld>
             <a:endParaRPr lang="en-US"/>
           </a:p>
@@ -881,7 +886,7 @@
           <a:p>
             <a:fld id="{6575E8DA-23D4-4099-BFE5-E3F02B91D307}" type="datetimeFigureOut">
               <a:rPr lang="en-US" smtClean="0"/>
-              <a:t>4/1/2019</a:t>
+              <a:t>4/2/2019</a:t>
             </a:fld>
             <a:endParaRPr lang="en-US"/>
           </a:p>
@@ -1156,7 +1161,7 @@
           <a:p>
             <a:fld id="{6575E8DA-23D4-4099-BFE5-E3F02B91D307}" type="datetimeFigureOut">
               <a:rPr lang="en-US" smtClean="0"/>
-              <a:t>4/1/2019</a:t>
+              <a:t>4/2/2019</a:t>
             </a:fld>
             <a:endParaRPr lang="en-US"/>
           </a:p>
@@ -1421,7 +1426,7 @@
           <a:p>
             <a:fld id="{6575E8DA-23D4-4099-BFE5-E3F02B91D307}" type="datetimeFigureOut">
               <a:rPr lang="en-US" smtClean="0"/>
-              <a:t>4/1/2019</a:t>
+              <a:t>4/2/2019</a:t>
             </a:fld>
             <a:endParaRPr lang="en-US"/>
           </a:p>
@@ -1833,7 +1838,7 @@
           <a:p>
             <a:fld id="{6575E8DA-23D4-4099-BFE5-E3F02B91D307}" type="datetimeFigureOut">
               <a:rPr lang="en-US" smtClean="0"/>
-              <a:t>4/1/2019</a:t>
+              <a:t>4/2/2019</a:t>
             </a:fld>
             <a:endParaRPr lang="en-US"/>
           </a:p>
@@ -1974,7 +1979,7 @@
           <a:p>
             <a:fld id="{6575E8DA-23D4-4099-BFE5-E3F02B91D307}" type="datetimeFigureOut">
               <a:rPr lang="en-US" smtClean="0"/>
-              <a:t>4/1/2019</a:t>
+              <a:t>4/2/2019</a:t>
             </a:fld>
             <a:endParaRPr lang="en-US"/>
           </a:p>
@@ -2087,7 +2092,7 @@
           <a:p>
             <a:fld id="{6575E8DA-23D4-4099-BFE5-E3F02B91D307}" type="datetimeFigureOut">
               <a:rPr lang="en-US" smtClean="0"/>
-              <a:t>4/1/2019</a:t>
+              <a:t>4/2/2019</a:t>
             </a:fld>
             <a:endParaRPr lang="en-US"/>
           </a:p>
@@ -2398,7 +2403,7 @@
           <a:p>
             <a:fld id="{6575E8DA-23D4-4099-BFE5-E3F02B91D307}" type="datetimeFigureOut">
               <a:rPr lang="en-US" smtClean="0"/>
-              <a:t>4/1/2019</a:t>
+              <a:t>4/2/2019</a:t>
             </a:fld>
             <a:endParaRPr lang="en-US"/>
           </a:p>
@@ -2686,7 +2691,7 @@
           <a:p>
             <a:fld id="{6575E8DA-23D4-4099-BFE5-E3F02B91D307}" type="datetimeFigureOut">
               <a:rPr lang="en-US" smtClean="0"/>
-              <a:t>4/1/2019</a:t>
+              <a:t>4/2/2019</a:t>
             </a:fld>
             <a:endParaRPr lang="en-US"/>
           </a:p>
@@ -2927,7 +2932,7 @@
           <a:p>
             <a:fld id="{6575E8DA-23D4-4099-BFE5-E3F02B91D307}" type="datetimeFigureOut">
               <a:rPr lang="en-US" smtClean="0"/>
-              <a:t>4/1/2019</a:t>
+              <a:t>4/2/2019</a:t>
             </a:fld>
             <a:endParaRPr lang="en-US"/>
           </a:p>
@@ -5630,7 +5635,7 @@
         </p:nvSpPr>
         <p:spPr>
           <a:xfrm>
-            <a:off x="2525086" y="2265537"/>
+            <a:off x="2664786" y="2481437"/>
             <a:ext cx="7969542" cy="2365186"/>
           </a:xfrm>
         </p:spPr>
@@ -7014,7 +7019,7 @@
         </p:nvSpPr>
         <p:spPr>
           <a:xfrm>
-            <a:off x="3295650" y="2244725"/>
+            <a:off x="2711450" y="2422525"/>
             <a:ext cx="8515350" cy="2536825"/>
           </a:xfrm>
         </p:spPr>
